--- a/ex4/ex4.pptx
+++ b/ex4/ex4.pptx
@@ -278,17 +278,17 @@
           <a:effectLst/>
           <a:extLst>
             <a:ext uri="{FAA26D3D-D897-4be2-8F04-BA451C77F1D7}">
-              <ma14:placeholderFlag xmlns:ma14="http://schemas.microsoft.com/office/mac/drawingml/2011/main" xmlns="" val="1"/>
+              <ma14:placeholderFlag xmlns="" xmlns:ma14="http://schemas.microsoft.com/office/mac/drawingml/2011/main" val="1"/>
             </a:ext>
             <a:ext uri="{909E8E84-426E-40dd-AFC4-6F175D3DCCD1}">
-              <a14:hiddenFill xmlns="" xmlns:a14="http://schemas.microsoft.com/office/drawing/2010/main">
+              <a14:hiddenFill xmlns:a14="http://schemas.microsoft.com/office/drawing/2010/main" xmlns="">
                 <a:solidFill>
                   <a:schemeClr val="accent1"/>
                 </a:solidFill>
               </a14:hiddenFill>
             </a:ext>
             <a:ext uri="{91240B29-F687-4f45-9708-019B960494DF}">
-              <a14:hiddenLine xmlns="" xmlns:a14="http://schemas.microsoft.com/office/drawing/2010/main" w="9525">
+              <a14:hiddenLine xmlns:a14="http://schemas.microsoft.com/office/drawing/2010/main" xmlns="" w="9525">
                 <a:solidFill>
                   <a:schemeClr val="tx1"/>
                 </a:solidFill>
@@ -298,7 +298,7 @@
               </a14:hiddenLine>
             </a:ext>
             <a:ext uri="{AF507438-7753-43e0-B8FC-AC1667EBCBE1}">
-              <a14:hiddenEffects xmlns="" xmlns:a14="http://schemas.microsoft.com/office/drawing/2010/main">
+              <a14:hiddenEffects xmlns:a14="http://schemas.microsoft.com/office/drawing/2010/main" xmlns="">
                 <a:effectLst>
                   <a:outerShdw blurRad="63500" dist="38099" dir="2700000" algn="ctr" rotWithShape="0">
                     <a:schemeClr val="bg2">
@@ -351,17 +351,17 @@
           <a:effectLst/>
           <a:extLst>
             <a:ext uri="{FAA26D3D-D897-4be2-8F04-BA451C77F1D7}">
-              <ma14:placeholderFlag xmlns:ma14="http://schemas.microsoft.com/office/mac/drawingml/2011/main" xmlns="" val="1"/>
+              <ma14:placeholderFlag xmlns="" xmlns:ma14="http://schemas.microsoft.com/office/mac/drawingml/2011/main" val="1"/>
             </a:ext>
             <a:ext uri="{909E8E84-426E-40dd-AFC4-6F175D3DCCD1}">
-              <a14:hiddenFill xmlns="" xmlns:a14="http://schemas.microsoft.com/office/drawing/2010/main">
+              <a14:hiddenFill xmlns:a14="http://schemas.microsoft.com/office/drawing/2010/main" xmlns="">
                 <a:solidFill>
                   <a:schemeClr val="accent1"/>
                 </a:solidFill>
               </a14:hiddenFill>
             </a:ext>
             <a:ext uri="{91240B29-F687-4f45-9708-019B960494DF}">
-              <a14:hiddenLine xmlns="" xmlns:a14="http://schemas.microsoft.com/office/drawing/2010/main" w="9525">
+              <a14:hiddenLine xmlns:a14="http://schemas.microsoft.com/office/drawing/2010/main" xmlns="" w="9525">
                 <a:solidFill>
                   <a:schemeClr val="tx1"/>
                 </a:solidFill>
@@ -371,7 +371,7 @@
               </a14:hiddenLine>
             </a:ext>
             <a:ext uri="{AF507438-7753-43e0-B8FC-AC1667EBCBE1}">
-              <a14:hiddenEffects xmlns="" xmlns:a14="http://schemas.microsoft.com/office/drawing/2010/main">
+              <a14:hiddenEffects xmlns:a14="http://schemas.microsoft.com/office/drawing/2010/main" xmlns="">
                 <a:effectLst>
                   <a:outerShdw blurRad="63500" dist="38099" dir="2700000" algn="ctr" rotWithShape="0">
                     <a:schemeClr val="bg2">
@@ -429,7 +429,7 @@
           <a:effectLst/>
           <a:extLst>
             <a:ext uri="{AF507438-7753-43e0-B8FC-AC1667EBCBE1}">
-              <a14:hiddenEffects xmlns="" xmlns:a14="http://schemas.microsoft.com/office/drawing/2010/main">
+              <a14:hiddenEffects xmlns:a14="http://schemas.microsoft.com/office/drawing/2010/main" xmlns="">
                 <a:effectLst>
                   <a:outerShdw blurRad="63500" dist="38099" dir="2700000" algn="ctr" rotWithShape="0">
                     <a:srgbClr val="000000">
@@ -440,7 +440,7 @@
               </a14:hiddenEffects>
             </a:ext>
             <a:ext uri="{53640926-AAD7-44d8-BBD7-CCE9431645EC}">
-              <a14:shadowObscured xmlns="" xmlns:a14="http://schemas.microsoft.com/office/drawing/2010/main" val="1"/>
+              <a14:shadowObscured xmlns:a14="http://schemas.microsoft.com/office/drawing/2010/main" xmlns="" val="1"/>
             </a:ext>
           </a:extLst>
         </p:spPr>
@@ -470,17 +470,17 @@
           <a:effectLst/>
           <a:extLst>
             <a:ext uri="{FAA26D3D-D897-4be2-8F04-BA451C77F1D7}">
-              <ma14:placeholderFlag xmlns:ma14="http://schemas.microsoft.com/office/mac/drawingml/2011/main" xmlns="" val="1"/>
+              <ma14:placeholderFlag xmlns="" xmlns:ma14="http://schemas.microsoft.com/office/mac/drawingml/2011/main" val="1"/>
             </a:ext>
             <a:ext uri="{909E8E84-426E-40dd-AFC4-6F175D3DCCD1}">
-              <a14:hiddenFill xmlns="" xmlns:a14="http://schemas.microsoft.com/office/drawing/2010/main">
+              <a14:hiddenFill xmlns:a14="http://schemas.microsoft.com/office/drawing/2010/main" xmlns="">
                 <a:solidFill>
                   <a:schemeClr val="accent1"/>
                 </a:solidFill>
               </a14:hiddenFill>
             </a:ext>
             <a:ext uri="{91240B29-F687-4f45-9708-019B960494DF}">
-              <a14:hiddenLine xmlns="" xmlns:a14="http://schemas.microsoft.com/office/drawing/2010/main" w="9525">
+              <a14:hiddenLine xmlns:a14="http://schemas.microsoft.com/office/drawing/2010/main" xmlns="" w="9525">
                 <a:solidFill>
                   <a:schemeClr val="tx1"/>
                 </a:solidFill>
@@ -490,7 +490,7 @@
               </a14:hiddenLine>
             </a:ext>
             <a:ext uri="{AF507438-7753-43e0-B8FC-AC1667EBCBE1}">
-              <a14:hiddenEffects xmlns="" xmlns:a14="http://schemas.microsoft.com/office/drawing/2010/main">
+              <a14:hiddenEffects xmlns:a14="http://schemas.microsoft.com/office/drawing/2010/main" xmlns="">
                 <a:effectLst>
                   <a:outerShdw blurRad="63500" dist="38099" dir="2700000" algn="ctr" rotWithShape="0">
                     <a:schemeClr val="bg2">
@@ -571,17 +571,17 @@
           <a:effectLst/>
           <a:extLst>
             <a:ext uri="{FAA26D3D-D897-4be2-8F04-BA451C77F1D7}">
-              <ma14:placeholderFlag xmlns:ma14="http://schemas.microsoft.com/office/mac/drawingml/2011/main" xmlns="" val="1"/>
+              <ma14:placeholderFlag xmlns="" xmlns:ma14="http://schemas.microsoft.com/office/mac/drawingml/2011/main" val="1"/>
             </a:ext>
             <a:ext uri="{909E8E84-426E-40dd-AFC4-6F175D3DCCD1}">
-              <a14:hiddenFill xmlns="" xmlns:a14="http://schemas.microsoft.com/office/drawing/2010/main">
+              <a14:hiddenFill xmlns:a14="http://schemas.microsoft.com/office/drawing/2010/main" xmlns="">
                 <a:solidFill>
                   <a:schemeClr val="accent1"/>
                 </a:solidFill>
               </a14:hiddenFill>
             </a:ext>
             <a:ext uri="{91240B29-F687-4f45-9708-019B960494DF}">
-              <a14:hiddenLine xmlns="" xmlns:a14="http://schemas.microsoft.com/office/drawing/2010/main" w="9525">
+              <a14:hiddenLine xmlns:a14="http://schemas.microsoft.com/office/drawing/2010/main" xmlns="" w="9525">
                 <a:solidFill>
                   <a:schemeClr val="tx1"/>
                 </a:solidFill>
@@ -591,7 +591,7 @@
               </a14:hiddenLine>
             </a:ext>
             <a:ext uri="{AF507438-7753-43e0-B8FC-AC1667EBCBE1}">
-              <a14:hiddenEffects xmlns="" xmlns:a14="http://schemas.microsoft.com/office/drawing/2010/main">
+              <a14:hiddenEffects xmlns:a14="http://schemas.microsoft.com/office/drawing/2010/main" xmlns="">
                 <a:effectLst>
                   <a:outerShdw blurRad="63500" dist="38099" dir="2700000" algn="ctr" rotWithShape="0">
                     <a:schemeClr val="bg2">
@@ -644,17 +644,17 @@
           <a:effectLst/>
           <a:extLst>
             <a:ext uri="{FAA26D3D-D897-4be2-8F04-BA451C77F1D7}">
-              <ma14:placeholderFlag xmlns:ma14="http://schemas.microsoft.com/office/mac/drawingml/2011/main" xmlns="" val="1"/>
+              <ma14:placeholderFlag xmlns="" xmlns:ma14="http://schemas.microsoft.com/office/mac/drawingml/2011/main" val="1"/>
             </a:ext>
             <a:ext uri="{909E8E84-426E-40dd-AFC4-6F175D3DCCD1}">
-              <a14:hiddenFill xmlns="" xmlns:a14="http://schemas.microsoft.com/office/drawing/2010/main">
+              <a14:hiddenFill xmlns:a14="http://schemas.microsoft.com/office/drawing/2010/main" xmlns="">
                 <a:solidFill>
                   <a:schemeClr val="accent1"/>
                 </a:solidFill>
               </a14:hiddenFill>
             </a:ext>
             <a:ext uri="{91240B29-F687-4f45-9708-019B960494DF}">
-              <a14:hiddenLine xmlns="" xmlns:a14="http://schemas.microsoft.com/office/drawing/2010/main" w="9525">
+              <a14:hiddenLine xmlns:a14="http://schemas.microsoft.com/office/drawing/2010/main" xmlns="" w="9525">
                 <a:solidFill>
                   <a:schemeClr val="tx1"/>
                 </a:solidFill>
@@ -664,7 +664,7 @@
               </a14:hiddenLine>
             </a:ext>
             <a:ext uri="{AF507438-7753-43e0-B8FC-AC1667EBCBE1}">
-              <a14:hiddenEffects xmlns="" xmlns:a14="http://schemas.microsoft.com/office/drawing/2010/main">
+              <a14:hiddenEffects xmlns:a14="http://schemas.microsoft.com/office/drawing/2010/main" xmlns="">
                 <a:effectLst>
                   <a:outerShdw blurRad="63500" dist="38099" dir="2700000" algn="ctr" rotWithShape="0">
                     <a:schemeClr val="bg2">
@@ -1308,10 +1308,10 @@
           <a:bodyPr/>
           <a:lstStyle/>
           <a:p>
-            <a:fld id="{C6F23BC7-D4DD-4FBD-B6AF-10BF6D0D0D54}" type="datetime1">
-              <a:rPr lang="en-US" smtClean="0"/>
-              <a:t>5/26/2020</a:t>
-            </a:fld>
+            <a:r>
+              <a:rPr lang="en-US"/>
+              <a:t>18.6.2020</a:t>
+            </a:r>
             <a:endParaRPr lang="en-US" dirty="0"/>
           </a:p>
         </p:txBody>
@@ -1435,7 +1435,7 @@
           <a:effectLst/>
           <a:extLst>
             <a:ext uri="{AF507438-7753-43e0-B8FC-AC1667EBCBE1}">
-              <a14:hiddenEffects xmlns="" xmlns:a14="http://schemas.microsoft.com/office/drawing/2010/main">
+              <a14:hiddenEffects xmlns:a14="http://schemas.microsoft.com/office/drawing/2010/main" xmlns="">
                 <a:effectLst>
                   <a:outerShdw blurRad="63500" dist="35921" dir="2700000" algn="ctr" rotWithShape="0">
                     <a:schemeClr val="bg2"/>
@@ -1636,10 +1636,10 @@
           <a:bodyPr/>
           <a:lstStyle/>
           <a:p>
-            <a:fld id="{D6D8258A-F661-4CE8-A9E8-08B2591DF70D}" type="datetime1">
-              <a:rPr lang="en-US" smtClean="0"/>
-              <a:t>5/26/2020</a:t>
-            </a:fld>
+            <a:r>
+              <a:rPr lang="en-US"/>
+              <a:t>18.6.2020</a:t>
+            </a:r>
             <a:endParaRPr lang="en-US" dirty="0"/>
           </a:p>
         </p:txBody>
@@ -1877,10 +1877,10 @@
           <a:bodyPr/>
           <a:lstStyle/>
           <a:p>
-            <a:fld id="{12795FB6-745B-4895-9AB8-D273F821C926}" type="datetime1">
-              <a:rPr lang="en-US" smtClean="0"/>
-              <a:t>5/26/2020</a:t>
-            </a:fld>
+            <a:r>
+              <a:rPr lang="en-US"/>
+              <a:t>18.6.2020</a:t>
+            </a:r>
             <a:endParaRPr lang="en-US" dirty="0"/>
           </a:p>
         </p:txBody>
@@ -2004,10 +2004,10 @@
           <a:bodyPr/>
           <a:lstStyle/>
           <a:p>
-            <a:fld id="{AAE9C965-3C7B-42E1-8F2E-86945E639F94}" type="datetime1">
-              <a:rPr lang="en-US" smtClean="0"/>
-              <a:t>5/26/2020</a:t>
-            </a:fld>
+            <a:r>
+              <a:rPr lang="en-US"/>
+              <a:t>18.6.2020</a:t>
+            </a:r>
             <a:endParaRPr lang="en-US" dirty="0"/>
           </a:p>
         </p:txBody>
@@ -2192,10 +2192,10 @@
           <a:bodyPr/>
           <a:lstStyle/>
           <a:p>
-            <a:fld id="{272C3F26-03BD-49D4-9CAF-9E5A08EEC17D}" type="datetime1">
-              <a:rPr lang="en-US" smtClean="0"/>
-              <a:t>5/26/2020</a:t>
-            </a:fld>
+            <a:r>
+              <a:rPr lang="en-US"/>
+              <a:t>18.6.2020</a:t>
+            </a:r>
             <a:endParaRPr lang="en-US" dirty="0"/>
           </a:p>
         </p:txBody>
@@ -2321,7 +2321,7 @@
           <a:noFill/>
           <a:extLst>
             <a:ext uri="{909E8E84-426E-40dd-AFC4-6F175D3DCCD1}">
-              <a14:hiddenFill xmlns="" xmlns:a14="http://schemas.microsoft.com/office/drawing/2010/main">
+              <a14:hiddenFill xmlns:a14="http://schemas.microsoft.com/office/drawing/2010/main" xmlns="">
                 <a:solidFill>
                   <a:srgbClr val="FFFFFF"/>
                 </a:solidFill>
@@ -2355,17 +2355,17 @@
           <a:effectLst/>
           <a:extLst>
             <a:ext uri="{FAA26D3D-D897-4be2-8F04-BA451C77F1D7}">
-              <ma14:placeholderFlag xmlns:ma14="http://schemas.microsoft.com/office/mac/drawingml/2011/main" xmlns="" val="1"/>
+              <ma14:placeholderFlag xmlns="" xmlns:ma14="http://schemas.microsoft.com/office/mac/drawingml/2011/main" val="1"/>
             </a:ext>
             <a:ext uri="{909E8E84-426E-40dd-AFC4-6F175D3DCCD1}">
-              <a14:hiddenFill xmlns="" xmlns:a14="http://schemas.microsoft.com/office/drawing/2010/main">
+              <a14:hiddenFill xmlns:a14="http://schemas.microsoft.com/office/drawing/2010/main" xmlns="">
                 <a:solidFill>
                   <a:schemeClr val="accent1"/>
                 </a:solidFill>
               </a14:hiddenFill>
             </a:ext>
             <a:ext uri="{91240B29-F687-4f45-9708-019B960494DF}">
-              <a14:hiddenLine xmlns="" xmlns:a14="http://schemas.microsoft.com/office/drawing/2010/main" w="9525">
+              <a14:hiddenLine xmlns:a14="http://schemas.microsoft.com/office/drawing/2010/main" xmlns="" w="9525">
                 <a:solidFill>
                   <a:schemeClr val="tx1"/>
                 </a:solidFill>
@@ -2375,7 +2375,7 @@
               </a14:hiddenLine>
             </a:ext>
             <a:ext uri="{AF507438-7753-43e0-B8FC-AC1667EBCBE1}">
-              <a14:hiddenEffects xmlns="" xmlns:a14="http://schemas.microsoft.com/office/drawing/2010/main">
+              <a14:hiddenEffects xmlns:a14="http://schemas.microsoft.com/office/drawing/2010/main" xmlns="">
                 <a:effectLst>
                   <a:outerShdw blurRad="63500" dist="38099" dir="2700000" algn="ctr" rotWithShape="0">
                     <a:schemeClr val="bg2">
@@ -2437,17 +2437,17 @@
           <a:effectLst/>
           <a:extLst>
             <a:ext uri="{FAA26D3D-D897-4be2-8F04-BA451C77F1D7}">
-              <ma14:placeholderFlag xmlns:ma14="http://schemas.microsoft.com/office/mac/drawingml/2011/main" xmlns="" val="1"/>
+              <ma14:placeholderFlag xmlns="" xmlns:ma14="http://schemas.microsoft.com/office/mac/drawingml/2011/main" val="1"/>
             </a:ext>
             <a:ext uri="{909E8E84-426E-40dd-AFC4-6F175D3DCCD1}">
-              <a14:hiddenFill xmlns="" xmlns:a14="http://schemas.microsoft.com/office/drawing/2010/main">
+              <a14:hiddenFill xmlns:a14="http://schemas.microsoft.com/office/drawing/2010/main" xmlns="">
                 <a:solidFill>
                   <a:schemeClr val="accent1"/>
                 </a:solidFill>
               </a14:hiddenFill>
             </a:ext>
             <a:ext uri="{91240B29-F687-4f45-9708-019B960494DF}">
-              <a14:hiddenLine xmlns="" xmlns:a14="http://schemas.microsoft.com/office/drawing/2010/main" w="9525">
+              <a14:hiddenLine xmlns:a14="http://schemas.microsoft.com/office/drawing/2010/main" xmlns="" w="9525">
                 <a:solidFill>
                   <a:schemeClr val="tx1"/>
                 </a:solidFill>
@@ -2457,7 +2457,7 @@
               </a14:hiddenLine>
             </a:ext>
             <a:ext uri="{AF507438-7753-43e0-B8FC-AC1667EBCBE1}">
-              <a14:hiddenEffects xmlns="" xmlns:a14="http://schemas.microsoft.com/office/drawing/2010/main">
+              <a14:hiddenEffects xmlns:a14="http://schemas.microsoft.com/office/drawing/2010/main" xmlns="">
                 <a:effectLst>
                   <a:outerShdw blurRad="63500" dist="38099" dir="2700000" algn="ctr" rotWithShape="0">
                     <a:schemeClr val="bg2">
@@ -2583,17 +2583,17 @@
           <a:effectLst/>
           <a:extLst>
             <a:ext uri="{FAA26D3D-D897-4be2-8F04-BA451C77F1D7}">
-              <ma14:placeholderFlag xmlns:ma14="http://schemas.microsoft.com/office/mac/drawingml/2011/main" xmlns="" val="1"/>
+              <ma14:placeholderFlag xmlns="" xmlns:ma14="http://schemas.microsoft.com/office/mac/drawingml/2011/main" val="1"/>
             </a:ext>
             <a:ext uri="{909E8E84-426E-40dd-AFC4-6F175D3DCCD1}">
-              <a14:hiddenFill xmlns="" xmlns:a14="http://schemas.microsoft.com/office/drawing/2010/main">
+              <a14:hiddenFill xmlns:a14="http://schemas.microsoft.com/office/drawing/2010/main" xmlns="">
                 <a:solidFill>
                   <a:schemeClr val="accent1"/>
                 </a:solidFill>
               </a14:hiddenFill>
             </a:ext>
             <a:ext uri="{91240B29-F687-4f45-9708-019B960494DF}">
-              <a14:hiddenLine xmlns="" xmlns:a14="http://schemas.microsoft.com/office/drawing/2010/main" w="9525">
+              <a14:hiddenLine xmlns:a14="http://schemas.microsoft.com/office/drawing/2010/main" xmlns="" w="9525">
                 <a:solidFill>
                   <a:schemeClr val="tx1"/>
                 </a:solidFill>
@@ -2603,7 +2603,7 @@
               </a14:hiddenLine>
             </a:ext>
             <a:ext uri="{AF507438-7753-43e0-B8FC-AC1667EBCBE1}">
-              <a14:hiddenEffects xmlns="" xmlns:a14="http://schemas.microsoft.com/office/drawing/2010/main">
+              <a14:hiddenEffects xmlns:a14="http://schemas.microsoft.com/office/drawing/2010/main" xmlns="">
                 <a:effectLst>
                   <a:outerShdw blurRad="63500" dist="38099" dir="2700000" algn="ctr" rotWithShape="0">
                     <a:schemeClr val="bg2">
@@ -2627,10 +2627,10 @@
             </a:lvl1pPr>
           </a:lstStyle>
           <a:p>
-            <a:fld id="{523CE6A4-3717-4D9C-8AE6-4164C03636BE}" type="datetime1">
-              <a:rPr lang="en-US" smtClean="0"/>
-              <a:t>5/26/2020</a:t>
-            </a:fld>
+            <a:r>
+              <a:rPr lang="en-US"/>
+              <a:t>18.6.2020</a:t>
+            </a:r>
             <a:endParaRPr lang="en-US" dirty="0"/>
           </a:p>
         </p:txBody>
@@ -2660,17 +2660,17 @@
           <a:effectLst/>
           <a:extLst>
             <a:ext uri="{FAA26D3D-D897-4be2-8F04-BA451C77F1D7}">
-              <ma14:placeholderFlag xmlns:ma14="http://schemas.microsoft.com/office/mac/drawingml/2011/main" xmlns="" val="1"/>
+              <ma14:placeholderFlag xmlns="" xmlns:ma14="http://schemas.microsoft.com/office/mac/drawingml/2011/main" val="1"/>
             </a:ext>
             <a:ext uri="{909E8E84-426E-40dd-AFC4-6F175D3DCCD1}">
-              <a14:hiddenFill xmlns="" xmlns:a14="http://schemas.microsoft.com/office/drawing/2010/main">
+              <a14:hiddenFill xmlns:a14="http://schemas.microsoft.com/office/drawing/2010/main" xmlns="">
                 <a:solidFill>
                   <a:schemeClr val="accent1"/>
                 </a:solidFill>
               </a14:hiddenFill>
             </a:ext>
             <a:ext uri="{91240B29-F687-4f45-9708-019B960494DF}">
-              <a14:hiddenLine xmlns="" xmlns:a14="http://schemas.microsoft.com/office/drawing/2010/main" w="9525">
+              <a14:hiddenLine xmlns:a14="http://schemas.microsoft.com/office/drawing/2010/main" xmlns="" w="9525">
                 <a:solidFill>
                   <a:schemeClr val="tx1"/>
                 </a:solidFill>
@@ -2680,7 +2680,7 @@
               </a14:hiddenLine>
             </a:ext>
             <a:ext uri="{AF507438-7753-43e0-B8FC-AC1667EBCBE1}">
-              <a14:hiddenEffects xmlns="" xmlns:a14="http://schemas.microsoft.com/office/drawing/2010/main">
+              <a14:hiddenEffects xmlns:a14="http://schemas.microsoft.com/office/drawing/2010/main" xmlns="">
                 <a:effectLst>
                   <a:outerShdw blurRad="63500" dist="38099" dir="2700000" algn="ctr" rotWithShape="0">
                     <a:schemeClr val="bg2">
@@ -2737,17 +2737,17 @@
           <a:effectLst/>
           <a:extLst>
             <a:ext uri="{FAA26D3D-D897-4be2-8F04-BA451C77F1D7}">
-              <ma14:placeholderFlag xmlns:ma14="http://schemas.microsoft.com/office/mac/drawingml/2011/main" xmlns="" val="1"/>
+              <ma14:placeholderFlag xmlns="" xmlns:ma14="http://schemas.microsoft.com/office/mac/drawingml/2011/main" val="1"/>
             </a:ext>
             <a:ext uri="{909E8E84-426E-40dd-AFC4-6F175D3DCCD1}">
-              <a14:hiddenFill xmlns="" xmlns:a14="http://schemas.microsoft.com/office/drawing/2010/main">
+              <a14:hiddenFill xmlns:a14="http://schemas.microsoft.com/office/drawing/2010/main" xmlns="">
                 <a:solidFill>
                   <a:schemeClr val="accent1"/>
                 </a:solidFill>
               </a14:hiddenFill>
             </a:ext>
             <a:ext uri="{91240B29-F687-4f45-9708-019B960494DF}">
-              <a14:hiddenLine xmlns="" xmlns:a14="http://schemas.microsoft.com/office/drawing/2010/main" w="9525">
+              <a14:hiddenLine xmlns:a14="http://schemas.microsoft.com/office/drawing/2010/main" xmlns="" w="9525">
                 <a:solidFill>
                   <a:schemeClr val="tx1"/>
                 </a:solidFill>
@@ -2757,7 +2757,7 @@
               </a14:hiddenLine>
             </a:ext>
             <a:ext uri="{AF507438-7753-43e0-B8FC-AC1667EBCBE1}">
-              <a14:hiddenEffects xmlns="" xmlns:a14="http://schemas.microsoft.com/office/drawing/2010/main">
+              <a14:hiddenEffects xmlns:a14="http://schemas.microsoft.com/office/drawing/2010/main" xmlns="">
                 <a:effectLst>
                   <a:outerShdw blurRad="63500" dist="38099" dir="2700000" algn="ctr" rotWithShape="0">
                     <a:schemeClr val="bg2">
@@ -2822,12 +2822,12 @@
           <a:effectLst/>
           <a:extLst>
             <a:ext uri="{909E8E84-426E-40dd-AFC4-6F175D3DCCD1}">
-              <a14:hiddenFill xmlns="" xmlns:a14="http://schemas.microsoft.com/office/drawing/2010/main">
+              <a14:hiddenFill xmlns:a14="http://schemas.microsoft.com/office/drawing/2010/main" xmlns="">
                 <a:noFill/>
               </a14:hiddenFill>
             </a:ext>
             <a:ext uri="{AF507438-7753-43e0-B8FC-AC1667EBCBE1}">
-              <a14:hiddenEffects xmlns="" xmlns:a14="http://schemas.microsoft.com/office/drawing/2010/main">
+              <a14:hiddenEffects xmlns:a14="http://schemas.microsoft.com/office/drawing/2010/main" xmlns="">
                 <a:effectLst>
                   <a:outerShdw blurRad="63500" dist="38099" dir="2700000" algn="ctr" rotWithShape="0">
                     <a:schemeClr val="bg2">
@@ -2870,14 +2870,14 @@
           <a:effectLst/>
           <a:extLst>
             <a:ext uri="{909E8E84-426E-40dd-AFC4-6F175D3DCCD1}">
-              <a14:hiddenFill xmlns="" xmlns:a14="http://schemas.microsoft.com/office/drawing/2010/main">
+              <a14:hiddenFill xmlns:a14="http://schemas.microsoft.com/office/drawing/2010/main" xmlns="">
                 <a:solidFill>
                   <a:schemeClr val="accent1"/>
                 </a:solidFill>
               </a14:hiddenFill>
             </a:ext>
             <a:ext uri="{91240B29-F687-4f45-9708-019B960494DF}">
-              <a14:hiddenLine xmlns="" xmlns:a14="http://schemas.microsoft.com/office/drawing/2010/main" w="9525">
+              <a14:hiddenLine xmlns:a14="http://schemas.microsoft.com/office/drawing/2010/main" xmlns="" w="9525">
                 <a:solidFill>
                   <a:schemeClr val="tx1"/>
                 </a:solidFill>
@@ -2887,7 +2887,7 @@
               </a14:hiddenLine>
             </a:ext>
             <a:ext uri="{AF507438-7753-43e0-B8FC-AC1667EBCBE1}">
-              <a14:hiddenEffects xmlns="" xmlns:a14="http://schemas.microsoft.com/office/drawing/2010/main">
+              <a14:hiddenEffects xmlns:a14="http://schemas.microsoft.com/office/drawing/2010/main" xmlns="">
                 <a:effectLst>
                   <a:outerShdw blurRad="63500" dist="38099" dir="2700000" algn="ctr" rotWithShape="0">
                     <a:schemeClr val="bg2">
@@ -3524,11 +3524,10 @@
           <a:bodyPr/>
           <a:lstStyle/>
           <a:p>
-            <a:fld id="{C19BBD48-B3E1-4452-85D8-08BC8354F032}" type="datetime1">
-              <a:rPr lang="en-US" smtClean="0"/>
-              <a:t>5/26/2020</a:t>
-            </a:fld>
-            <a:endParaRPr lang="en-US" dirty="0"/>
+            <a:r>
+              <a:rPr lang="en-US" dirty="0"/>
+              <a:t>18.6.2020</a:t>
+            </a:r>
           </a:p>
         </p:txBody>
       </p:sp>
@@ -3633,10 +3632,10 @@
           <a:bodyPr/>
           <a:lstStyle/>
           <a:p>
-            <a:fld id="{CB5C97F8-F844-4CCC-9F8A-6E3317B1087B}" type="datetime1">
-              <a:rPr lang="en-US" smtClean="0"/>
-              <a:t>5/26/2020</a:t>
-            </a:fld>
+            <a:r>
+              <a:rPr lang="en-US"/>
+              <a:t>18.6.2020</a:t>
+            </a:r>
             <a:endParaRPr lang="en-US" dirty="0"/>
           </a:p>
         </p:txBody>
@@ -3868,10 +3867,10 @@
           <a:bodyPr/>
           <a:lstStyle/>
           <a:p>
-            <a:fld id="{E6075A6C-BDEA-4666-9ADC-92112EFDAC20}" type="datetime1">
-              <a:rPr lang="en-US" smtClean="0"/>
-              <a:t>5/26/2020</a:t>
-            </a:fld>
+            <a:r>
+              <a:rPr lang="en-US"/>
+              <a:t>18.6.2020</a:t>
+            </a:r>
             <a:endParaRPr lang="en-US" dirty="0"/>
           </a:p>
         </p:txBody>
@@ -4096,10 +4095,10 @@
           <a:bodyPr/>
           <a:lstStyle/>
           <a:p>
-            <a:fld id="{E6075A6C-BDEA-4666-9ADC-92112EFDAC20}" type="datetime1">
-              <a:rPr lang="en-US" smtClean="0"/>
-              <a:t>5/26/2020</a:t>
-            </a:fld>
+            <a:r>
+              <a:rPr lang="en-US"/>
+              <a:t>18.6.2020</a:t>
+            </a:r>
             <a:endParaRPr lang="en-US" dirty="0"/>
           </a:p>
         </p:txBody>
@@ -4298,10 +4297,10 @@
           <a:bodyPr/>
           <a:lstStyle/>
           <a:p>
-            <a:fld id="{C201ED4D-9B3D-428E-A14A-FE532CD31EE0}" type="datetime1">
-              <a:rPr lang="en-US" smtClean="0"/>
-              <a:t>5/26/2020</a:t>
-            </a:fld>
+            <a:r>
+              <a:rPr lang="en-US"/>
+              <a:t>18.6.2020</a:t>
+            </a:r>
             <a:endParaRPr lang="en-US" dirty="0"/>
           </a:p>
         </p:txBody>
@@ -4518,10 +4517,10 @@
           <a:bodyPr/>
           <a:lstStyle/>
           <a:p>
-            <a:fld id="{F45E0C9A-7BB8-4AEE-B816-8F7A1895F29C}" type="datetime1">
-              <a:rPr lang="en-US" smtClean="0"/>
-              <a:t>5/26/2020</a:t>
-            </a:fld>
+            <a:r>
+              <a:rPr lang="en-US"/>
+              <a:t>18.6.2020</a:t>
+            </a:r>
             <a:endParaRPr lang="en-US" dirty="0"/>
           </a:p>
         </p:txBody>
@@ -5241,10 +5240,10 @@
           <a:bodyPr/>
           <a:lstStyle/>
           <a:p>
-            <a:fld id="{F45E0C9A-7BB8-4AEE-B816-8F7A1895F29C}" type="datetime1">
-              <a:rPr lang="en-US" smtClean="0"/>
-              <a:t>5/26/2020</a:t>
-            </a:fld>
+            <a:r>
+              <a:rPr lang="en-US"/>
+              <a:t>18.6.2020</a:t>
+            </a:r>
             <a:endParaRPr lang="en-US" dirty="0"/>
           </a:p>
         </p:txBody>
@@ -5486,10 +5485,10 @@
           <a:bodyPr/>
           <a:lstStyle/>
           <a:p>
-            <a:fld id="{C1B8B6ED-2C45-4DA4-B821-6C3116E8012F}" type="datetime1">
-              <a:rPr lang="en-US" smtClean="0"/>
-              <a:t>5/26/2020</a:t>
-            </a:fld>
+            <a:r>
+              <a:rPr lang="en-US"/>
+              <a:t>18.6.2020</a:t>
+            </a:r>
             <a:endParaRPr lang="en-US" dirty="0"/>
           </a:p>
         </p:txBody>
@@ -5674,10 +5673,10 @@
           <a:bodyPr/>
           <a:lstStyle/>
           <a:p>
-            <a:fld id="{4909A493-D878-49D5-ADA7-C9F38B05B537}" type="datetime1">
-              <a:rPr lang="en-US" smtClean="0"/>
-              <a:t>5/26/2020</a:t>
-            </a:fld>
+            <a:r>
+              <a:rPr lang="en-US"/>
+              <a:t>18.6.2020</a:t>
+            </a:r>
             <a:endParaRPr lang="en-US" dirty="0"/>
           </a:p>
         </p:txBody>
@@ -5875,10 +5874,10 @@
           <a:bodyPr/>
           <a:lstStyle/>
           <a:p>
-            <a:fld id="{654A8F65-32A9-4301-90B8-6508935B3A67}" type="datetime1">
-              <a:rPr lang="en-US" smtClean="0"/>
-              <a:t>5/26/2020</a:t>
-            </a:fld>
+            <a:r>
+              <a:rPr lang="en-US"/>
+              <a:t>18.6.2020</a:t>
+            </a:r>
             <a:endParaRPr lang="en-US" dirty="0"/>
           </a:p>
         </p:txBody>
@@ -6303,7 +6302,7 @@
         <a:effectLst/>
         <a:extLst>
           <a:ext uri="{AF507438-7753-43e0-B8FC-AC1667EBCBE1}">
-            <a14:hiddenEffects xmlns="" xmlns:a14="http://schemas.microsoft.com/office/drawing/2010/main">
+            <a14:hiddenEffects xmlns:a14="http://schemas.microsoft.com/office/drawing/2010/main" xmlns="">
               <a:effectLst>
                 <a:outerShdw blurRad="63500" dist="35921" dir="2700000" algn="ctr" rotWithShape="0">
                   <a:schemeClr val="bg2"/>
@@ -6378,7 +6377,7 @@
         <a:effectLst/>
         <a:extLst>
           <a:ext uri="{AF507438-7753-43e0-B8FC-AC1667EBCBE1}">
-            <a14:hiddenEffects xmlns="" xmlns:a14="http://schemas.microsoft.com/office/drawing/2010/main">
+            <a14:hiddenEffects xmlns:a14="http://schemas.microsoft.com/office/drawing/2010/main" xmlns="">
               <a:effectLst>
                 <a:outerShdw blurRad="63500" dist="35921" dir="2700000" algn="ctr" rotWithShape="0">
                   <a:schemeClr val="bg2"/>
